--- a/PrintMaterial/Презентация Microsoft PowerPoint.pptx
+++ b/PrintMaterial/Презентация Microsoft PowerPoint.pptx
@@ -1339,7 +1339,7 @@
           <a:p>
             <a:fld id="{27246CCA-9CD4-4589-9A37-9E6F101990D6}" type="datetimeFigureOut">
               <a:rPr lang="ru-RU" smtClean="0"/>
-              <a:t>25.05.2023</a:t>
+              <a:t>02.12.2024</a:t>
             </a:fld>
             <a:endParaRPr lang="ru-RU"/>
           </a:p>
@@ -1577,7 +1577,7 @@
           <a:p>
             <a:fld id="{27246CCA-9CD4-4589-9A37-9E6F101990D6}" type="datetimeFigureOut">
               <a:rPr lang="ru-RU" smtClean="0"/>
-              <a:t>25.05.2023</a:t>
+              <a:t>02.12.2024</a:t>
             </a:fld>
             <a:endParaRPr lang="ru-RU"/>
           </a:p>
@@ -1757,7 +1757,7 @@
           <a:p>
             <a:fld id="{27246CCA-9CD4-4589-9A37-9E6F101990D6}" type="datetimeFigureOut">
               <a:rPr lang="ru-RU" smtClean="0"/>
-              <a:t>25.05.2023</a:t>
+              <a:t>02.12.2024</a:t>
             </a:fld>
             <a:endParaRPr lang="ru-RU"/>
           </a:p>
@@ -1927,7 +1927,7 @@
           <a:p>
             <a:fld id="{27246CCA-9CD4-4589-9A37-9E6F101990D6}" type="datetimeFigureOut">
               <a:rPr lang="ru-RU" smtClean="0"/>
-              <a:t>25.05.2023</a:t>
+              <a:t>02.12.2024</a:t>
             </a:fld>
             <a:endParaRPr lang="ru-RU"/>
           </a:p>
@@ -2203,7 +2203,7 @@
           <a:p>
             <a:fld id="{27246CCA-9CD4-4589-9A37-9E6F101990D6}" type="datetimeFigureOut">
               <a:rPr lang="ru-RU" smtClean="0"/>
-              <a:t>25.05.2023</a:t>
+              <a:t>02.12.2024</a:t>
             </a:fld>
             <a:endParaRPr lang="ru-RU"/>
           </a:p>
@@ -3404,7 +3404,7 @@
           <a:p>
             <a:fld id="{27246CCA-9CD4-4589-9A37-9E6F101990D6}" type="datetimeFigureOut">
               <a:rPr lang="ru-RU" smtClean="0"/>
-              <a:t>25.05.2023</a:t>
+              <a:t>02.12.2024</a:t>
             </a:fld>
             <a:endParaRPr lang="ru-RU"/>
           </a:p>
@@ -3794,7 +3794,7 @@
           <a:p>
             <a:fld id="{27246CCA-9CD4-4589-9A37-9E6F101990D6}" type="datetimeFigureOut">
               <a:rPr lang="ru-RU" smtClean="0"/>
-              <a:t>25.05.2023</a:t>
+              <a:t>02.12.2024</a:t>
             </a:fld>
             <a:endParaRPr lang="ru-RU"/>
           </a:p>
@@ -3917,7 +3917,7 @@
           <a:p>
             <a:fld id="{27246CCA-9CD4-4589-9A37-9E6F101990D6}" type="datetimeFigureOut">
               <a:rPr lang="ru-RU" smtClean="0"/>
-              <a:t>25.05.2023</a:t>
+              <a:t>02.12.2024</a:t>
             </a:fld>
             <a:endParaRPr lang="ru-RU"/>
           </a:p>
@@ -4012,7 +4012,7 @@
           <a:p>
             <a:fld id="{27246CCA-9CD4-4589-9A37-9E6F101990D6}" type="datetimeFigureOut">
               <a:rPr lang="ru-RU" smtClean="0"/>
-              <a:t>25.05.2023</a:t>
+              <a:t>02.12.2024</a:t>
             </a:fld>
             <a:endParaRPr lang="ru-RU"/>
           </a:p>
@@ -4775,7 +4775,7 @@
           <a:p>
             <a:fld id="{27246CCA-9CD4-4589-9A37-9E6F101990D6}" type="datetimeFigureOut">
               <a:rPr lang="ru-RU" smtClean="0"/>
-              <a:t>25.05.2023</a:t>
+              <a:t>02.12.2024</a:t>
             </a:fld>
             <a:endParaRPr lang="ru-RU"/>
           </a:p>
@@ -5615,7 +5615,7 @@
           <a:p>
             <a:fld id="{27246CCA-9CD4-4589-9A37-9E6F101990D6}" type="datetimeFigureOut">
               <a:rPr lang="ru-RU" smtClean="0"/>
-              <a:t>25.05.2023</a:t>
+              <a:t>02.12.2024</a:t>
             </a:fld>
             <a:endParaRPr lang="ru-RU"/>
           </a:p>
@@ -5842,7 +5842,7 @@
           <a:p>
             <a:fld id="{27246CCA-9CD4-4589-9A37-9E6F101990D6}" type="datetimeFigureOut">
               <a:rPr lang="ru-RU" smtClean="0"/>
-              <a:t>25.05.2023</a:t>
+              <a:t>02.12.2024</a:t>
             </a:fld>
             <a:endParaRPr lang="ru-RU"/>
           </a:p>
@@ -7125,6 +7125,18 @@
   <p:clrMapOvr>
     <a:masterClrMapping/>
   </p:clrMapOvr>
+  <mc:AlternateContent xmlns:mc="http://schemas.openxmlformats.org/markup-compatibility/2006">
+    <mc:Choice xmlns:p14="http://schemas.microsoft.com/office/powerpoint/2010/main" Requires="p14">
+      <p:transition spd="slow" p14:dur="1600">
+        <p14:conveyor dir="l"/>
+      </p:transition>
+    </mc:Choice>
+    <mc:Fallback>
+      <p:transition spd="slow">
+        <p:fade/>
+      </p:transition>
+    </mc:Fallback>
+  </mc:AlternateContent>
 </p:sld>
 </file>
 
@@ -7263,6 +7275,18 @@
   <p:clrMapOvr>
     <a:masterClrMapping/>
   </p:clrMapOvr>
+  <mc:AlternateContent xmlns:mc="http://schemas.openxmlformats.org/markup-compatibility/2006">
+    <mc:Choice xmlns:p14="http://schemas.microsoft.com/office/powerpoint/2010/main" Requires="p14">
+      <p:transition spd="slow" p14:dur="800">
+        <p:circle/>
+      </p:transition>
+    </mc:Choice>
+    <mc:Fallback>
+      <p:transition spd="slow">
+        <p:circle/>
+      </p:transition>
+    </mc:Fallback>
+  </mc:AlternateContent>
 </p:sld>
 </file>
 
@@ -7367,6 +7391,18 @@
   <p:clrMapOvr>
     <a:masterClrMapping/>
   </p:clrMapOvr>
+  <mc:AlternateContent xmlns:mc="http://schemas.openxmlformats.org/markup-compatibility/2006">
+    <mc:Choice xmlns:p14="http://schemas.microsoft.com/office/powerpoint/2010/main" Requires="p14">
+      <p:transition spd="slow" p14:dur="1200">
+        <p:dissolve/>
+      </p:transition>
+    </mc:Choice>
+    <mc:Fallback>
+      <p:transition spd="slow">
+        <p:dissolve/>
+      </p:transition>
+    </mc:Fallback>
+  </mc:AlternateContent>
 </p:sld>
 </file>
 
@@ -7571,6 +7607,18 @@
   <p:clrMapOvr>
     <a:masterClrMapping/>
   </p:clrMapOvr>
+  <mc:AlternateContent xmlns:mc="http://schemas.openxmlformats.org/markup-compatibility/2006">
+    <mc:Choice xmlns:p15="http://schemas.microsoft.com/office/powerpoint/2012/main" Requires="p15">
+      <p:transition xmlns:p14="http://schemas.microsoft.com/office/powerpoint/2010/main" spd="slow" p14:dur="3250">
+        <p15:prstTrans prst="origami"/>
+      </p:transition>
+    </mc:Choice>
+    <mc:Fallback>
+      <p:transition spd="slow">
+        <p:fade/>
+      </p:transition>
+    </mc:Fallback>
+  </mc:AlternateContent>
 </p:sld>
 </file>
 
@@ -7661,6 +7709,18 @@
   <p:clrMapOvr>
     <a:masterClrMapping/>
   </p:clrMapOvr>
+  <mc:AlternateContent xmlns:mc="http://schemas.openxmlformats.org/markup-compatibility/2006">
+    <mc:Choice xmlns:p14="http://schemas.microsoft.com/office/powerpoint/2010/main" Requires="p14">
+      <p:transition spd="slow" p14:dur="3000">
+        <p14:shred/>
+      </p:transition>
+    </mc:Choice>
+    <mc:Fallback>
+      <p:transition spd="slow">
+        <p:fade/>
+      </p:transition>
+    </mc:Fallback>
+  </mc:AlternateContent>
 </p:sld>
 </file>
 
@@ -7853,9 +7913,22 @@
             <a:off x="7948063" y="1000066"/>
             <a:ext cx="3986399" cy="5432569"/>
           </a:xfrm>
-          <a:prstGeom prst="rect">
-            <a:avLst/>
+          <a:prstGeom prst="roundRect">
+            <a:avLst>
+              <a:gd name="adj" fmla="val 8594"/>
+            </a:avLst>
           </a:prstGeom>
+          <a:solidFill>
+            <a:srgbClr val="FFFFFF">
+              <a:shade val="85000"/>
+            </a:srgbClr>
+          </a:solidFill>
+          <a:ln>
+            <a:noFill/>
+          </a:ln>
+          <a:effectLst>
+            <a:reflection blurRad="12700" stA="38000" endPos="28000" dist="5000" dir="5400000" sy="-100000" algn="bl" rotWithShape="0"/>
+          </a:effectLst>
         </p:spPr>
       </p:pic>
       <p:sp>
@@ -7969,6 +8042,18 @@
   <p:clrMapOvr>
     <a:masterClrMapping/>
   </p:clrMapOvr>
+  <mc:AlternateContent xmlns:mc="http://schemas.openxmlformats.org/markup-compatibility/2006">
+    <mc:Choice xmlns:p159="http://schemas.microsoft.com/office/powerpoint/2015/09/main" Requires="p159">
+      <p:transition xmlns:p14="http://schemas.microsoft.com/office/powerpoint/2010/main" spd="slow" p14:dur="2000">
+        <p159:morph option="byObject"/>
+      </p:transition>
+    </mc:Choice>
+    <mc:Fallback>
+      <p:transition spd="slow">
+        <p:fade/>
+      </p:transition>
+    </mc:Fallback>
+  </mc:AlternateContent>
 </p:sld>
 </file>
 
@@ -8364,6 +8449,18 @@
   <p:clrMapOvr>
     <a:masterClrMapping/>
   </p:clrMapOvr>
+  <mc:AlternateContent xmlns:mc="http://schemas.openxmlformats.org/markup-compatibility/2006">
+    <mc:Choice xmlns:p15="http://schemas.microsoft.com/office/powerpoint/2012/main" Requires="p15">
+      <p:transition xmlns:p14="http://schemas.microsoft.com/office/powerpoint/2010/main" spd="slow" p14:dur="6000">
+        <p15:prstTrans prst="curtains"/>
+      </p:transition>
+    </mc:Choice>
+    <mc:Fallback>
+      <p:transition spd="slow">
+        <p:fade/>
+      </p:transition>
+    </mc:Fallback>
+  </mc:AlternateContent>
 </p:sld>
 </file>
 
@@ -8428,12 +8525,189 @@
             <p:ph idx="1"/>
           </p:nvPr>
         </p:nvSpPr>
-        <p:spPr/>
+        <p:spPr>
+          <a:xfrm>
+            <a:off x="1144102" y="2052918"/>
+            <a:ext cx="10178322" cy="3593591"/>
+          </a:xfrm>
+        </p:spPr>
         <p:txBody>
-          <a:bodyPr/>
+          <a:bodyPr>
+            <a:noAutofit/>
+          </a:bodyPr>
           <a:lstStyle/>
           <a:p>
-            <a:endParaRPr lang="ru-RU" dirty="0"/>
+            <a:pPr marL="0" indent="0">
+              <a:buNone/>
+            </a:pPr>
+            <a:r>
+              <a:rPr lang="ru-RU" sz="1400" dirty="0">
+                <a:solidFill>
+                  <a:schemeClr val="accent1"/>
+                </a:solidFill>
+                <a:latin typeface="+mj-lt"/>
+              </a:rPr>
+              <a:t>1. Увеличение спроса на транспортные услуги</a:t>
+            </a:r>
+          </a:p>
+          <a:p>
+            <a:r>
+              <a:rPr lang="ru-RU" sz="1400" dirty="0">
+                <a:solidFill>
+                  <a:schemeClr val="tx1"/>
+                </a:solidFill>
+                <a:latin typeface="+mj-lt"/>
+              </a:rPr>
+              <a:t>С ростом населения и увеличением городской плотности возрастает потребность в эффективных и доступных транспортных решениях. Автоматизация маршрутных такси позволяет:</a:t>
+            </a:r>
+          </a:p>
+          <a:p>
+            <a:pPr>
+              <a:buFont typeface="Arial" panose="020B0604020202020204" pitchFamily="34" charset="0"/>
+              <a:buChar char="•"/>
+            </a:pPr>
+            <a:r>
+              <a:rPr lang="ru-RU" sz="1400" dirty="0">
+                <a:solidFill>
+                  <a:schemeClr val="tx1"/>
+                </a:solidFill>
+                <a:latin typeface="+mj-lt"/>
+              </a:rPr>
+              <a:t>Увеличить частоту и регулярность поездок.</a:t>
+            </a:r>
+          </a:p>
+          <a:p>
+            <a:pPr>
+              <a:buFont typeface="Arial" panose="020B0604020202020204" pitchFamily="34" charset="0"/>
+              <a:buChar char="•"/>
+            </a:pPr>
+            <a:r>
+              <a:rPr lang="ru-RU" sz="1400" dirty="0">
+                <a:solidFill>
+                  <a:schemeClr val="tx1"/>
+                </a:solidFill>
+                <a:latin typeface="+mj-lt"/>
+              </a:rPr>
+              <a:t>Оптимизировать маршруты с учетом реального спроса.</a:t>
+            </a:r>
+          </a:p>
+          <a:p>
+            <a:pPr marL="0" indent="0">
+              <a:buNone/>
+            </a:pPr>
+            <a:r>
+              <a:rPr lang="ru-RU" sz="1400" dirty="0">
+                <a:solidFill>
+                  <a:schemeClr val="accent1"/>
+                </a:solidFill>
+                <a:latin typeface="+mj-lt"/>
+              </a:rPr>
+              <a:t>2. Повышение качества обслуживания</a:t>
+            </a:r>
+          </a:p>
+          <a:p>
+            <a:r>
+              <a:rPr lang="ru-RU" sz="1400" dirty="0">
+                <a:solidFill>
+                  <a:schemeClr val="tx1"/>
+                </a:solidFill>
+                <a:latin typeface="+mj-lt"/>
+              </a:rPr>
+              <a:t>Автоматизация внедряет новые технологии, которые могут значительно улучшить качество обслуживания пассажиров:</a:t>
+            </a:r>
+          </a:p>
+          <a:p>
+            <a:pPr>
+              <a:buFont typeface="Arial" panose="020B0604020202020204" pitchFamily="34" charset="0"/>
+              <a:buChar char="•"/>
+            </a:pPr>
+            <a:r>
+              <a:rPr lang="ru-RU" sz="1400" dirty="0">
+                <a:solidFill>
+                  <a:schemeClr val="tx1"/>
+                </a:solidFill>
+                <a:latin typeface="+mj-lt"/>
+              </a:rPr>
+              <a:t>Информационные системы: Автоматизированные системы информирования пассажиров о времени прибытия, изменениях маршрутов и наличии мест.</a:t>
+            </a:r>
+          </a:p>
+          <a:p>
+            <a:pPr>
+              <a:buFont typeface="Arial" panose="020B0604020202020204" pitchFamily="34" charset="0"/>
+              <a:buChar char="•"/>
+            </a:pPr>
+            <a:r>
+              <a:rPr lang="ru-RU" sz="1400" dirty="0">
+                <a:solidFill>
+                  <a:schemeClr val="tx1"/>
+                </a:solidFill>
+                <a:latin typeface="+mj-lt"/>
+              </a:rPr>
+              <a:t>Оплата: Внедрение мобильных приложений для оплаты проезда, что упрощает процесс для пользователей.</a:t>
+            </a:r>
+          </a:p>
+          <a:p>
+            <a:pPr marL="0" indent="0">
+              <a:buNone/>
+            </a:pPr>
+            <a:r>
+              <a:rPr lang="ru-RU" sz="1400" dirty="0">
+                <a:solidFill>
+                  <a:schemeClr val="accent1"/>
+                </a:solidFill>
+                <a:latin typeface="+mj-lt"/>
+              </a:rPr>
+              <a:t>3. Оптимизация затрат</a:t>
+            </a:r>
+          </a:p>
+          <a:p>
+            <a:r>
+              <a:rPr lang="ru-RU" sz="1400" dirty="0">
+                <a:solidFill>
+                  <a:schemeClr val="tx1"/>
+                </a:solidFill>
+                <a:latin typeface="+mj-lt"/>
+              </a:rPr>
+              <a:t>Автоматизированные системы управления позволяют сократить эксплуатационные расходы:</a:t>
+            </a:r>
+          </a:p>
+          <a:p>
+            <a:pPr>
+              <a:buFont typeface="Arial" panose="020B0604020202020204" pitchFamily="34" charset="0"/>
+              <a:buChar char="•"/>
+            </a:pPr>
+            <a:r>
+              <a:rPr lang="ru-RU" sz="1400" dirty="0">
+                <a:solidFill>
+                  <a:schemeClr val="tx1"/>
+                </a:solidFill>
+                <a:latin typeface="+mj-lt"/>
+              </a:rPr>
+              <a:t>Управление парком: Оптимизация графиков работы и маршрутов, что снижает затраты на топливо и обслуживание.</a:t>
+            </a:r>
+          </a:p>
+          <a:p>
+            <a:pPr>
+              <a:buFont typeface="Arial" panose="020B0604020202020204" pitchFamily="34" charset="0"/>
+              <a:buChar char="•"/>
+            </a:pPr>
+            <a:r>
+              <a:rPr lang="ru-RU" sz="1400" dirty="0">
+                <a:solidFill>
+                  <a:schemeClr val="tx1"/>
+                </a:solidFill>
+                <a:latin typeface="+mj-lt"/>
+              </a:rPr>
+              <a:t>Снижение времени простоя: Эффективное распределение транспортных средств по маршрутам минимизирует время ожидания.</a:t>
+            </a:r>
+          </a:p>
+          <a:p>
+            <a:endParaRPr lang="ru-RU" sz="1400" dirty="0">
+              <a:solidFill>
+                <a:schemeClr val="tx1"/>
+              </a:solidFill>
+              <a:latin typeface="+mj-lt"/>
+            </a:endParaRPr>
           </a:p>
         </p:txBody>
       </p:sp>
@@ -8447,6 +8721,18 @@
   <p:clrMapOvr>
     <a:masterClrMapping/>
   </p:clrMapOvr>
+  <mc:AlternateContent xmlns:mc="http://schemas.openxmlformats.org/markup-compatibility/2006">
+    <mc:Choice xmlns:p15="http://schemas.microsoft.com/office/powerpoint/2012/main" Requires="p15">
+      <p:transition xmlns:p14="http://schemas.microsoft.com/office/powerpoint/2010/main" spd="slow" p14:dur="1250">
+        <p15:prstTrans prst="peelOff"/>
+      </p:transition>
+    </mc:Choice>
+    <mc:Fallback>
+      <p:transition spd="slow">
+        <p:fade/>
+      </p:transition>
+    </mc:Fallback>
+  </mc:AlternateContent>
 </p:sld>
 </file>
 
@@ -8657,7 +8943,7 @@
         <p:spPr>
           <a:xfrm>
             <a:off x="1698232" y="532314"/>
-            <a:ext cx="3999813" cy="523220"/>
+            <a:ext cx="4363695" cy="523220"/>
           </a:xfrm>
           <a:prstGeom prst="rect">
             <a:avLst/>
@@ -8674,7 +8960,7 @@
               <a:rPr lang="ru-RU" sz="2800" dirty="0">
                 <a:latin typeface="+mj-lt"/>
               </a:rPr>
-              <a:t>ЦЕЛЬ КУРСОВОГО ПРОЕКТА</a:t>
+              <a:t>ЦЕЛЬ ДИПЛОМНОГО ПРОЕКТА</a:t>
             </a:r>
           </a:p>
         </p:txBody>
@@ -8763,6 +9049,18 @@
   <p:clrMapOvr>
     <a:masterClrMapping/>
   </p:clrMapOvr>
+  <mc:AlternateContent xmlns:mc="http://schemas.openxmlformats.org/markup-compatibility/2006">
+    <mc:Choice xmlns:p15="http://schemas.microsoft.com/office/powerpoint/2012/main" Requires="p15">
+      <p:transition xmlns:p14="http://schemas.microsoft.com/office/powerpoint/2010/main" spd="slow" p14:dur="2000">
+        <p15:prstTrans prst="fallOver"/>
+      </p:transition>
+    </mc:Choice>
+    <mc:Fallback>
+      <p:transition spd="slow">
+        <p:fade/>
+      </p:transition>
+    </mc:Fallback>
+  </mc:AlternateContent>
 </p:sld>
 </file>
 
@@ -8870,6 +9168,18 @@
   <p:clrMapOvr>
     <a:masterClrMapping/>
   </p:clrMapOvr>
+  <mc:AlternateContent xmlns:mc="http://schemas.openxmlformats.org/markup-compatibility/2006">
+    <mc:Choice xmlns:p15="http://schemas.microsoft.com/office/powerpoint/2012/main" Requires="p15">
+      <p:transition xmlns:p14="http://schemas.microsoft.com/office/powerpoint/2010/main" spd="slow" p14:dur="2000">
+        <p15:prstTrans prst="drape"/>
+      </p:transition>
+    </mc:Choice>
+    <mc:Fallback>
+      <p:transition spd="slow">
+        <p:fade/>
+      </p:transition>
+    </mc:Fallback>
+  </mc:AlternateContent>
 </p:sld>
 </file>
 
@@ -8977,6 +9287,18 @@
   <p:clrMapOvr>
     <a:masterClrMapping/>
   </p:clrMapOvr>
+  <mc:AlternateContent xmlns:mc="http://schemas.openxmlformats.org/markup-compatibility/2006">
+    <mc:Choice xmlns:p14="http://schemas.microsoft.com/office/powerpoint/2010/main" Requires="p14">
+      <p:transition spd="slow" p14:dur="2500">
+        <p:checker/>
+      </p:transition>
+    </mc:Choice>
+    <mc:Fallback>
+      <p:transition spd="slow">
+        <p:checker/>
+      </p:transition>
+    </mc:Fallback>
+  </mc:AlternateContent>
 </p:sld>
 </file>
 
@@ -9071,6 +9393,18 @@
   <p:clrMapOvr>
     <a:masterClrMapping/>
   </p:clrMapOvr>
+  <mc:AlternateContent xmlns:mc="http://schemas.openxmlformats.org/markup-compatibility/2006">
+    <mc:Choice xmlns:p14="http://schemas.microsoft.com/office/powerpoint/2010/main" Requires="p14">
+      <p:transition spd="slow" p14:dur="900">
+        <p14:warp dir="in"/>
+      </p:transition>
+    </mc:Choice>
+    <mc:Fallback>
+      <p:transition spd="slow">
+        <p:fade/>
+      </p:transition>
+    </mc:Fallback>
+  </mc:AlternateContent>
 </p:sld>
 </file>
 
@@ -9305,6 +9639,18 @@
   <p:clrMapOvr>
     <a:masterClrMapping/>
   </p:clrMapOvr>
+  <mc:AlternateContent xmlns:mc="http://schemas.openxmlformats.org/markup-compatibility/2006">
+    <mc:Choice xmlns:p14="http://schemas.microsoft.com/office/powerpoint/2010/main" Requires="p14">
+      <p:transition spd="slow" p14:dur="1400">
+        <p14:doors dir="vert"/>
+      </p:transition>
+    </mc:Choice>
+    <mc:Fallback>
+      <p:transition spd="slow">
+        <p:fade/>
+      </p:transition>
+    </mc:Fallback>
+  </mc:AlternateContent>
 </p:sld>
 </file>
 
@@ -9406,6 +9752,18 @@
   <p:clrMapOvr>
     <a:masterClrMapping/>
   </p:clrMapOvr>
+  <mc:AlternateContent xmlns:mc="http://schemas.openxmlformats.org/markup-compatibility/2006">
+    <mc:Choice xmlns:p14="http://schemas.microsoft.com/office/powerpoint/2010/main" Requires="p14">
+      <p:transition spd="slow" p14:dur="2000">
+        <p14:ferris dir="l"/>
+      </p:transition>
+    </mc:Choice>
+    <mc:Fallback>
+      <p:transition spd="slow">
+        <p:fade/>
+      </p:transition>
+    </mc:Fallback>
+  </mc:AlternateContent>
 </p:sld>
 </file>
 
@@ -9696,6 +10054,18 @@
   <p:clrMapOvr>
     <a:masterClrMapping/>
   </p:clrMapOvr>
+  <mc:AlternateContent xmlns:mc="http://schemas.openxmlformats.org/markup-compatibility/2006">
+    <mc:Choice xmlns:p14="http://schemas.microsoft.com/office/powerpoint/2010/main" Requires="p14">
+      <p:transition spd="slow" p14:dur="3400">
+        <p14:reveal/>
+      </p:transition>
+    </mc:Choice>
+    <mc:Fallback>
+      <p:transition spd="slow">
+        <p:fade/>
+      </p:transition>
+    </mc:Fallback>
+  </mc:AlternateContent>
 </p:sld>
 </file>
 
@@ -9704,10 +10074,10 @@
   <a:themeElements>
     <a:clrScheme name="Эмблема">
       <a:dk1>
-        <a:sysClr val="windowText" lastClr="3C3836"/>
+        <a:sysClr val="windowText" lastClr="000000"/>
       </a:dk1>
       <a:lt1>
-        <a:sysClr val="window" lastClr="FBF1C7"/>
+        <a:sysClr val="window" lastClr="FFFFFF"/>
       </a:lt1>
       <a:dk2>
         <a:srgbClr val="2A1A00"/>
